--- a/HU_Präsentation_V1.pptx
+++ b/HU_Präsentation_V1.pptx
@@ -5,7 +5,7 @@
     <p:sldMasterId id="2147483864" r:id="rId1"/>
   </p:sldMasterIdLst>
   <p:notesMasterIdLst>
-    <p:notesMasterId r:id="rId8"/>
+    <p:notesMasterId r:id="rId9"/>
   </p:notesMasterIdLst>
   <p:sldIdLst>
     <p:sldId id="265" r:id="rId2"/>
@@ -14,6 +14,7 @@
     <p:sldId id="272" r:id="rId5"/>
     <p:sldId id="271" r:id="rId6"/>
     <p:sldId id="273" r:id="rId7"/>
+    <p:sldId id="275" r:id="rId8"/>
   </p:sldIdLst>
   <p:sldSz cx="9144000" cy="6858000" type="screen4x3"/>
   <p:notesSz cx="6858000" cy="9144000"/>
@@ -4365,6 +4366,282 @@
     <p:extLst>
       <p:ext uri="{BB962C8B-B14F-4D97-AF65-F5344CB8AC3E}">
         <p14:creationId xmlns:p14="http://schemas.microsoft.com/office/powerpoint/2010/main" val="3132938651"/>
+      </p:ext>
+    </p:extLst>
+  </p:cSld>
+  <p:clrMapOvr>
+    <a:masterClrMapping/>
+  </p:clrMapOvr>
+  <p:timing>
+    <p:tnLst>
+      <p:par>
+        <p:cTn id="1" dur="indefinite" restart="never" nodeType="tmRoot"/>
+      </p:par>
+    </p:tnLst>
+  </p:timing>
+</p:sld>
+</file>
+
+<file path=ppt/slides/slide7.xml><?xml version="1.0" encoding="utf-8"?>
+<p:sld xmlns:a="http://schemas.openxmlformats.org/drawingml/2006/main" xmlns:r="http://schemas.openxmlformats.org/officeDocument/2006/relationships" xmlns:p="http://schemas.openxmlformats.org/presentationml/2006/main">
+  <p:cSld>
+    <p:spTree>
+      <p:nvGrpSpPr>
+        <p:cNvPr id="1" name=""/>
+        <p:cNvGrpSpPr/>
+        <p:nvPr/>
+      </p:nvGrpSpPr>
+      <p:grpSpPr>
+        <a:xfrm>
+          <a:off x="0" y="0"/>
+          <a:ext cx="0" cy="0"/>
+          <a:chOff x="0" y="0"/>
+          <a:chExt cx="0" cy="0"/>
+        </a:xfrm>
+      </p:grpSpPr>
+      <p:sp>
+        <p:nvSpPr>
+          <p:cNvPr id="8" name="Rechteck 7"/>
+          <p:cNvSpPr/>
+          <p:nvPr/>
+        </p:nvSpPr>
+        <p:spPr>
+          <a:xfrm>
+            <a:off x="0" y="5893668"/>
+            <a:ext cx="9144000" cy="964332"/>
+          </a:xfrm>
+          <a:prstGeom prst="rect">
+            <a:avLst/>
+          </a:prstGeom>
+          <a:solidFill>
+            <a:schemeClr val="bg1"/>
+          </a:solidFill>
+          <a:ln>
+            <a:noFill/>
+          </a:ln>
+        </p:spPr>
+        <p:style>
+          <a:lnRef idx="2">
+            <a:schemeClr val="accent1">
+              <a:shade val="50000"/>
+            </a:schemeClr>
+          </a:lnRef>
+          <a:fillRef idx="1">
+            <a:schemeClr val="accent1"/>
+          </a:fillRef>
+          <a:effectRef idx="0">
+            <a:schemeClr val="accent1"/>
+          </a:effectRef>
+          <a:fontRef idx="minor">
+            <a:schemeClr val="lt1"/>
+          </a:fontRef>
+        </p:style>
+        <p:txBody>
+          <a:bodyPr rtlCol="0" anchor="ctr"/>
+          <a:lstStyle/>
+          <a:p>
+            <a:pPr algn="ctr"/>
+            <a:endParaRPr lang="de-DE"/>
+          </a:p>
+        </p:txBody>
+      </p:sp>
+      <p:pic>
+        <p:nvPicPr>
+          <p:cNvPr id="4" name="Grafik 3"/>
+          <p:cNvPicPr>
+            <a:picLocks noChangeAspect="1"/>
+          </p:cNvPicPr>
+          <p:nvPr/>
+        </p:nvPicPr>
+        <p:blipFill rotWithShape="1">
+          <a:blip r:embed="rId2"/>
+          <a:srcRect b="47094"/>
+          <a:stretch/>
+        </p:blipFill>
+        <p:spPr>
+          <a:xfrm>
+            <a:off x="0" y="0"/>
+            <a:ext cx="9144000" cy="5141141"/>
+          </a:xfrm>
+          <a:prstGeom prst="rect">
+            <a:avLst/>
+          </a:prstGeom>
+        </p:spPr>
+      </p:pic>
+      <p:pic>
+        <p:nvPicPr>
+          <p:cNvPr id="5" name="Grafik 4"/>
+          <p:cNvPicPr>
+            <a:picLocks noChangeAspect="1"/>
+          </p:cNvPicPr>
+          <p:nvPr/>
+        </p:nvPicPr>
+        <p:blipFill>
+          <a:blip r:embed="rId3">
+            <a:extLst>
+              <a:ext uri="{28A0092B-C50C-407E-A947-70E740481C1C}">
+                <a14:useLocalDpi xmlns:a14="http://schemas.microsoft.com/office/drawing/2010/main" val="0"/>
+              </a:ext>
+            </a:extLst>
+          </a:blip>
+          <a:stretch>
+            <a:fillRect/>
+          </a:stretch>
+        </p:blipFill>
+        <p:spPr>
+          <a:xfrm>
+            <a:off x="6876256" y="5273947"/>
+            <a:ext cx="1255068" cy="836712"/>
+          </a:xfrm>
+          <a:prstGeom prst="rect">
+            <a:avLst/>
+          </a:prstGeom>
+        </p:spPr>
+      </p:pic>
+      <p:pic>
+        <p:nvPicPr>
+          <p:cNvPr id="6" name="Grafik 5"/>
+          <p:cNvPicPr>
+            <a:picLocks noChangeAspect="1"/>
+          </p:cNvPicPr>
+          <p:nvPr/>
+        </p:nvPicPr>
+        <p:blipFill>
+          <a:blip r:embed="rId4">
+            <a:extLst>
+              <a:ext uri="{28A0092B-C50C-407E-A947-70E740481C1C}">
+                <a14:useLocalDpi xmlns:a14="http://schemas.microsoft.com/office/drawing/2010/main" val="0"/>
+              </a:ext>
+            </a:extLst>
+          </a:blip>
+          <a:stretch>
+            <a:fillRect/>
+          </a:stretch>
+        </p:blipFill>
+        <p:spPr>
+          <a:xfrm>
+            <a:off x="4019401" y="5208368"/>
+            <a:ext cx="1428750" cy="952500"/>
+          </a:xfrm>
+          <a:prstGeom prst="rect">
+            <a:avLst/>
+          </a:prstGeom>
+        </p:spPr>
+      </p:pic>
+      <p:pic>
+        <p:nvPicPr>
+          <p:cNvPr id="7" name="Grafik 6"/>
+          <p:cNvPicPr>
+            <a:picLocks noChangeAspect="1"/>
+          </p:cNvPicPr>
+          <p:nvPr/>
+        </p:nvPicPr>
+        <p:blipFill>
+          <a:blip r:embed="rId5">
+            <a:extLst>
+              <a:ext uri="{28A0092B-C50C-407E-A947-70E740481C1C}">
+                <a14:useLocalDpi xmlns:a14="http://schemas.microsoft.com/office/drawing/2010/main" val="0"/>
+              </a:ext>
+            </a:extLst>
+          </a:blip>
+          <a:stretch>
+            <a:fillRect/>
+          </a:stretch>
+        </p:blipFill>
+        <p:spPr>
+          <a:xfrm>
+            <a:off x="644674" y="5078123"/>
+            <a:ext cx="2016224" cy="1344149"/>
+          </a:xfrm>
+          <a:prstGeom prst="rect">
+            <a:avLst/>
+          </a:prstGeom>
+        </p:spPr>
+      </p:pic>
+      <p:sp>
+        <p:nvSpPr>
+          <p:cNvPr id="2" name="Textfeld 1"/>
+          <p:cNvSpPr txBox="1"/>
+          <p:nvPr/>
+        </p:nvSpPr>
+        <p:spPr>
+          <a:xfrm>
+            <a:off x="1433339" y="2852935"/>
+            <a:ext cx="5904656" cy="830997"/>
+          </a:xfrm>
+          <a:prstGeom prst="rect">
+            <a:avLst/>
+          </a:prstGeom>
+          <a:noFill/>
+        </p:spPr>
+        <p:txBody>
+          <a:bodyPr wrap="square" rtlCol="0">
+            <a:spAutoFit/>
+          </a:bodyPr>
+          <a:lstStyle/>
+          <a:p>
+            <a:pPr algn="ctr"/>
+            <a:r>
+              <a:rPr lang="de-DE" sz="2400" dirty="0" smtClean="0">
+                <a:solidFill>
+                  <a:schemeClr val="bg1"/>
+                </a:solidFill>
+                <a:latin typeface="Arial" panose="020B0604020202020204" pitchFamily="34" charset="0"/>
+                <a:cs typeface="Arial" panose="020B0604020202020204" pitchFamily="34" charset="0"/>
+              </a:rPr>
+              <a:t>Vielen Dank</a:t>
+            </a:r>
+          </a:p>
+          <a:p>
+            <a:pPr algn="ctr"/>
+            <a:r>
+              <a:rPr lang="de-DE" sz="2400" dirty="0" smtClean="0">
+                <a:solidFill>
+                  <a:schemeClr val="bg1"/>
+                </a:solidFill>
+                <a:latin typeface="Arial" panose="020B0604020202020204" pitchFamily="34" charset="0"/>
+                <a:cs typeface="Arial" panose="020B0604020202020204" pitchFamily="34" charset="0"/>
+              </a:rPr>
+              <a:t>für Ihre Aufmerksamkeit</a:t>
+            </a:r>
+            <a:endParaRPr lang="de-DE" sz="2400" dirty="0">
+              <a:solidFill>
+                <a:schemeClr val="bg1"/>
+              </a:solidFill>
+              <a:latin typeface="Arial" panose="020B0604020202020204" pitchFamily="34" charset="0"/>
+              <a:cs typeface="Arial" panose="020B0604020202020204" pitchFamily="34" charset="0"/>
+            </a:endParaRPr>
+          </a:p>
+        </p:txBody>
+      </p:sp>
+      <p:pic>
+        <p:nvPicPr>
+          <p:cNvPr id="3" name="Grafik 2"/>
+          <p:cNvPicPr>
+            <a:picLocks noChangeAspect="1"/>
+          </p:cNvPicPr>
+          <p:nvPr/>
+        </p:nvPicPr>
+        <p:blipFill>
+          <a:blip r:embed="rId6"/>
+          <a:stretch>
+            <a:fillRect/>
+          </a:stretch>
+        </p:blipFill>
+        <p:spPr>
+          <a:xfrm>
+            <a:off x="3361310" y="6344824"/>
+            <a:ext cx="2743200" cy="237526"/>
+          </a:xfrm>
+          <a:prstGeom prst="rect">
+            <a:avLst/>
+          </a:prstGeom>
+        </p:spPr>
+      </p:pic>
+    </p:spTree>
+    <p:extLst>
+      <p:ext uri="{BB962C8B-B14F-4D97-AF65-F5344CB8AC3E}">
+        <p14:creationId xmlns:p14="http://schemas.microsoft.com/office/powerpoint/2010/main" val="2250946117"/>
       </p:ext>
     </p:extLst>
   </p:cSld>
